--- a/OS/Lections/Лекция 4 - Управление процессами.pptx
+++ b/OS/Lections/Лекция 4 - Управление процессами.pptx
@@ -386,7 +386,7 @@
           <a:p>
             <a:fld id="{A9E1C54A-6947-426C-B525-F25AAC6D8000}" type="datetimeFigureOut">
               <a:rPr lang="LID4096" smtClean="0"/>
-              <a:t>09/27/2025</a:t>
+              <a:t>11/28/2025</a:t>
             </a:fld>
             <a:endParaRPr lang="LID4096"/>
           </a:p>
@@ -887,7 +887,7 @@
           <a:p>
             <a:fld id="{D94700BE-7692-4207-B54B-A48E0B87749C}" type="datetimeFigureOut">
               <a:rPr lang="LID4096" smtClean="0"/>
-              <a:t>09/27/2025</a:t>
+              <a:t>11/28/2025</a:t>
             </a:fld>
             <a:endParaRPr lang="LID4096"/>
           </a:p>
@@ -1087,7 +1087,7 @@
           <a:p>
             <a:fld id="{D94700BE-7692-4207-B54B-A48E0B87749C}" type="datetimeFigureOut">
               <a:rPr lang="LID4096" smtClean="0"/>
-              <a:t>09/27/2025</a:t>
+              <a:t>11/28/2025</a:t>
             </a:fld>
             <a:endParaRPr lang="LID4096"/>
           </a:p>
@@ -1297,7 +1297,7 @@
           <a:p>
             <a:fld id="{D94700BE-7692-4207-B54B-A48E0B87749C}" type="datetimeFigureOut">
               <a:rPr lang="LID4096" smtClean="0"/>
-              <a:t>09/27/2025</a:t>
+              <a:t>11/28/2025</a:t>
             </a:fld>
             <a:endParaRPr lang="LID4096"/>
           </a:p>
@@ -1497,7 +1497,7 @@
           <a:p>
             <a:fld id="{D94700BE-7692-4207-B54B-A48E0B87749C}" type="datetimeFigureOut">
               <a:rPr lang="LID4096" smtClean="0"/>
-              <a:t>09/27/2025</a:t>
+              <a:t>11/28/2025</a:t>
             </a:fld>
             <a:endParaRPr lang="LID4096"/>
           </a:p>
@@ -1773,7 +1773,7 @@
           <a:p>
             <a:fld id="{D94700BE-7692-4207-B54B-A48E0B87749C}" type="datetimeFigureOut">
               <a:rPr lang="LID4096" smtClean="0"/>
-              <a:t>09/27/2025</a:t>
+              <a:t>11/28/2025</a:t>
             </a:fld>
             <a:endParaRPr lang="LID4096"/>
           </a:p>
@@ -2041,7 +2041,7 @@
           <a:p>
             <a:fld id="{D94700BE-7692-4207-B54B-A48E0B87749C}" type="datetimeFigureOut">
               <a:rPr lang="LID4096" smtClean="0"/>
-              <a:t>09/27/2025</a:t>
+              <a:t>11/28/2025</a:t>
             </a:fld>
             <a:endParaRPr lang="LID4096"/>
           </a:p>
@@ -2456,7 +2456,7 @@
           <a:p>
             <a:fld id="{D94700BE-7692-4207-B54B-A48E0B87749C}" type="datetimeFigureOut">
               <a:rPr lang="LID4096" smtClean="0"/>
-              <a:t>09/27/2025</a:t>
+              <a:t>11/28/2025</a:t>
             </a:fld>
             <a:endParaRPr lang="LID4096"/>
           </a:p>
@@ -2598,7 +2598,7 @@
           <a:p>
             <a:fld id="{D94700BE-7692-4207-B54B-A48E0B87749C}" type="datetimeFigureOut">
               <a:rPr lang="LID4096" smtClean="0"/>
-              <a:t>09/27/2025</a:t>
+              <a:t>11/28/2025</a:t>
             </a:fld>
             <a:endParaRPr lang="LID4096"/>
           </a:p>
@@ -2711,7 +2711,7 @@
           <a:p>
             <a:fld id="{D94700BE-7692-4207-B54B-A48E0B87749C}" type="datetimeFigureOut">
               <a:rPr lang="LID4096" smtClean="0"/>
-              <a:t>09/27/2025</a:t>
+              <a:t>11/28/2025</a:t>
             </a:fld>
             <a:endParaRPr lang="LID4096"/>
           </a:p>
@@ -3024,7 +3024,7 @@
           <a:p>
             <a:fld id="{D94700BE-7692-4207-B54B-A48E0B87749C}" type="datetimeFigureOut">
               <a:rPr lang="LID4096" smtClean="0"/>
-              <a:t>09/27/2025</a:t>
+              <a:t>11/28/2025</a:t>
             </a:fld>
             <a:endParaRPr lang="LID4096"/>
           </a:p>
@@ -3313,7 +3313,7 @@
           <a:p>
             <a:fld id="{D94700BE-7692-4207-B54B-A48E0B87749C}" type="datetimeFigureOut">
               <a:rPr lang="LID4096" smtClean="0"/>
-              <a:t>09/27/2025</a:t>
+              <a:t>11/28/2025</a:t>
             </a:fld>
             <a:endParaRPr lang="LID4096"/>
           </a:p>
@@ -3556,7 +3556,7 @@
           <a:p>
             <a:fld id="{D94700BE-7692-4207-B54B-A48E0B87749C}" type="datetimeFigureOut">
               <a:rPr lang="LID4096" smtClean="0"/>
-              <a:t>09/27/2025</a:t>
+              <a:t>11/28/2025</a:t>
             </a:fld>
             <a:endParaRPr lang="LID4096"/>
           </a:p>
@@ -8227,7 +8227,7 @@
         </p:nvSpPr>
         <p:spPr>
           <a:xfrm>
-            <a:off x="1143000" y="1580696"/>
+            <a:off x="1143000" y="1481842"/>
             <a:ext cx="10499271" cy="5081359"/>
           </a:xfrm>
         </p:spPr>
@@ -29033,7 +29033,7 @@
         </p:nvSpPr>
         <p:spPr bwMode="auto">
           <a:xfrm>
-            <a:off x="0" y="0"/>
+            <a:off x="0" y="16476"/>
             <a:ext cx="12192000" cy="0"/>
           </a:xfrm>
           <a:prstGeom prst="rect">
